--- a/Group_Excercises/BESE394A_Group2_Week2.pptx
+++ b/Group_Excercises/BESE394A_Group2_Week2.pptx
@@ -1390,7 +1390,7 @@
         </p:nvSpPr>
         <p:spPr>
           <a:xfrm>
-            <a:off x="381300" y="685800"/>
+            <a:off x="381000" y="685800"/>
             <a:ext cx="6096000" cy="3429000"/>
           </a:xfrm>
           <a:custGeom>
@@ -1462,7 +1462,7 @@
               <a:buAutoNum type="arabicPeriod"/>
             </a:pPr>
             <a:r>
-              <a:rPr lang="en" sz="1400" b="1">
+              <a:rPr lang="en" sz="1400" b="1" dirty="0" err="1">
                 <a:solidFill>
                   <a:srgbClr val="384248"/>
                 </a:solidFill>
@@ -1474,10 +1474,25 @@
                 <a:cs typeface="Roboto"/>
                 <a:sym typeface="Roboto"/>
               </a:rPr>
-              <a:t>peaks.narrowPeak file:</a:t>
+              <a:t>peaks.narrowPeak</a:t>
             </a:r>
             <a:r>
-              <a:rPr lang="en" sz="1400">
+              <a:rPr lang="en" sz="1400" b="1" dirty="0">
+                <a:solidFill>
+                  <a:srgbClr val="384248"/>
+                </a:solidFill>
+                <a:highlight>
+                  <a:schemeClr val="lt1"/>
+                </a:highlight>
+                <a:latin typeface="Roboto"/>
+                <a:ea typeface="Roboto"/>
+                <a:cs typeface="Roboto"/>
+                <a:sym typeface="Roboto"/>
+              </a:rPr>
+              <a:t> file:</a:t>
+            </a:r>
+            <a:r>
+              <a:rPr lang="en" sz="1400" dirty="0">
                 <a:solidFill>
                   <a:srgbClr val="384248"/>
                 </a:solidFill>
@@ -1491,7 +1506,7 @@
               </a:rPr>
               <a:t> A BED6+4 format file which contains the peak locations together with peak summit, p-value, and q-value</a:t>
             </a:r>
-            <a:endParaRPr sz="1400">
+            <a:endParaRPr sz="1400" dirty="0">
               <a:solidFill>
                 <a:srgbClr val="384248"/>
               </a:solidFill>
@@ -1523,7 +1538,7 @@
               <a:buAutoNum type="arabicPeriod"/>
             </a:pPr>
             <a:r>
-              <a:rPr lang="en" sz="1400" b="1">
+              <a:rPr lang="en" sz="1400" b="1" dirty="0" err="1">
                 <a:solidFill>
                   <a:srgbClr val="384248"/>
                 </a:solidFill>
@@ -1535,10 +1550,25 @@
                 <a:cs typeface="Roboto"/>
                 <a:sym typeface="Roboto"/>
               </a:rPr>
-              <a:t>peaks.xls file: </a:t>
+              <a:t>peaks.xls</a:t>
             </a:r>
             <a:r>
-              <a:rPr lang="en" sz="1400">
+              <a:rPr lang="en" sz="1400" b="1" dirty="0">
+                <a:solidFill>
+                  <a:srgbClr val="384248"/>
+                </a:solidFill>
+                <a:highlight>
+                  <a:schemeClr val="lt1"/>
+                </a:highlight>
+                <a:latin typeface="Roboto"/>
+                <a:ea typeface="Roboto"/>
+                <a:cs typeface="Roboto"/>
+                <a:sym typeface="Roboto"/>
+              </a:rPr>
+              <a:t> file: </a:t>
+            </a:r>
+            <a:r>
+              <a:rPr lang="en" sz="1400" dirty="0">
                 <a:solidFill>
                   <a:srgbClr val="384248"/>
                 </a:solidFill>
@@ -1552,7 +1582,7 @@
               </a:rPr>
               <a:t>A tabular file which contains information about called peaks. Additional information includes pileup and fold enrichment</a:t>
             </a:r>
-            <a:endParaRPr sz="1400">
+            <a:endParaRPr sz="1400" dirty="0">
               <a:solidFill>
                 <a:srgbClr val="384248"/>
               </a:solidFill>
@@ -1584,7 +1614,7 @@
               <a:buAutoNum type="arabicPeriod"/>
             </a:pPr>
             <a:r>
-              <a:rPr lang="en" sz="1400" b="1">
+              <a:rPr lang="en" sz="1400" b="1" dirty="0" err="1">
                 <a:solidFill>
                   <a:srgbClr val="384248"/>
                 </a:solidFill>
@@ -1596,10 +1626,25 @@
                 <a:cs typeface="Roboto"/>
                 <a:sym typeface="Roboto"/>
               </a:rPr>
-              <a:t>summits.bed file:</a:t>
+              <a:t>summits.bed</a:t>
             </a:r>
             <a:r>
-              <a:rPr lang="en" sz="1400">
+              <a:rPr lang="en" sz="1400" b="1" dirty="0">
+                <a:solidFill>
+                  <a:srgbClr val="384248"/>
+                </a:solidFill>
+                <a:highlight>
+                  <a:schemeClr val="lt1"/>
+                </a:highlight>
+                <a:latin typeface="Roboto"/>
+                <a:ea typeface="Roboto"/>
+                <a:cs typeface="Roboto"/>
+                <a:sym typeface="Roboto"/>
+              </a:rPr>
+              <a:t> file:</a:t>
+            </a:r>
+            <a:r>
+              <a:rPr lang="en" sz="1400" dirty="0">
                 <a:solidFill>
                   <a:srgbClr val="384248"/>
                 </a:solidFill>
@@ -1613,7 +1658,7 @@
               </a:rPr>
               <a:t> Peak summit locations for every peak</a:t>
             </a:r>
-            <a:endParaRPr/>
+            <a:endParaRPr dirty="0"/>
           </a:p>
         </p:txBody>
       </p:sp>
@@ -1762,7 +1807,7 @@
         </p:nvSpPr>
         <p:spPr>
           <a:xfrm>
-            <a:off x="381300" y="685800"/>
+            <a:off x="381000" y="685800"/>
             <a:ext cx="6096000" cy="3429000"/>
           </a:xfrm>
           <a:custGeom>
@@ -8659,7 +8704,7 @@
         </p:spPr>
         <p:txBody>
           <a:bodyPr spcFirstLastPara="1" wrap="square" lIns="91425" tIns="91425" rIns="91425" bIns="91425" anchor="t" anchorCtr="0">
-            <a:normAutofit/>
+            <a:normAutofit fontScale="85000" lnSpcReduction="20000"/>
           </a:bodyPr>
           <a:lstStyle/>
           <a:p>
@@ -8737,7 +8782,7 @@
         </p:spPr>
         <p:txBody>
           <a:bodyPr spcFirstLastPara="1" wrap="square" lIns="91425" tIns="91425" rIns="91425" bIns="91425" anchor="t" anchorCtr="0">
-            <a:normAutofit/>
+            <a:normAutofit fontScale="85000" lnSpcReduction="20000"/>
           </a:bodyPr>
           <a:lstStyle/>
           <a:p>
@@ -8982,30 +9027,31 @@
       </p:sp>
       <p:pic>
         <p:nvPicPr>
-          <p:cNvPr id="97" name="Google Shape;97;p17"/>
-          <p:cNvPicPr preferRelativeResize="0"/>
+          <p:cNvPr id="3" name="Picture 2" descr="A screenshot of a computer program&#10;&#10;Description automatically generated">
+            <a:extLst>
+              <a:ext uri="{FF2B5EF4-FFF2-40B4-BE49-F238E27FC236}">
+                <a16:creationId xmlns:a16="http://schemas.microsoft.com/office/drawing/2014/main" id="{083F3E6E-A78B-C300-E5D5-59F562E687AD}"/>
+              </a:ext>
+            </a:extLst>
+          </p:cNvPr>
+          <p:cNvPicPr>
+            <a:picLocks noChangeAspect="1"/>
+          </p:cNvPicPr>
           <p:nvPr/>
         </p:nvPicPr>
-        <p:blipFill>
-          <a:blip r:embed="rId4">
-            <a:alphaModFix/>
-          </a:blip>
-          <a:stretch>
-            <a:fillRect/>
-          </a:stretch>
+        <p:blipFill rotWithShape="1">
+          <a:blip r:embed="rId4"/>
+          <a:srcRect r="5316"/>
+          <a:stretch/>
         </p:blipFill>
         <p:spPr>
           <a:xfrm>
-            <a:off x="4951925" y="2317100"/>
-            <a:ext cx="4128301" cy="2826400"/>
+            <a:off x="4576441" y="2700275"/>
+            <a:ext cx="4567559" cy="1904400"/>
           </a:xfrm>
           <a:prstGeom prst="rect">
             <a:avLst/>
           </a:prstGeom>
-          <a:noFill/>
-          <a:ln>
-            <a:noFill/>
-          </a:ln>
         </p:spPr>
       </p:pic>
     </p:spTree>
@@ -9431,7 +9477,7 @@
         </p:spPr>
         <p:txBody>
           <a:bodyPr spcFirstLastPara="1" wrap="square" lIns="91425" tIns="91425" rIns="91425" bIns="91425" anchor="t" anchorCtr="0">
-            <a:normAutofit fontScale="55000" lnSpcReduction="20000"/>
+            <a:normAutofit fontScale="62500" lnSpcReduction="20000"/>
           </a:bodyPr>
           <a:lstStyle/>
           <a:p>
